--- a/ppt/Javascript 교안/_07_이벤트.pptx
+++ b/ppt/Javascript 교안/_07_이벤트.pptx
@@ -215,7 +215,7 @@
           <a:p>
             <a:fld id="{8DFB2E54-8ADE-1C42-B7E1-8C04B8CD0931}" type="datetimeFigureOut">
               <a:rPr kumimoji="1" lang="ko-Kore-KR" altLang="en-US" smtClean="0"/>
-              <a:t>6/14/21</a:t>
+              <a:t>6/28/21</a:t>
             </a:fld>
             <a:endParaRPr kumimoji="1" lang="ko-Kore-KR" altLang="en-US"/>
           </a:p>
